--- a/experiment/sounds/PresentazioneStimoli.pptx
+++ b/experiment/sounds/PresentazioneStimoli.pptx
@@ -5,10 +5,10 @@
     <p:sldMasterId id="2147483648" r:id="rId1"/>
   </p:sldMasterIdLst>
   <p:sldIdLst>
-    <p:sldId id="256" r:id="rId2"/>
-    <p:sldId id="257" r:id="rId3"/>
-    <p:sldId id="258" r:id="rId4"/>
-    <p:sldId id="259" r:id="rId5"/>
+    <p:sldId id="258" r:id="rId2"/>
+    <p:sldId id="256" r:id="rId3"/>
+    <p:sldId id="259" r:id="rId4"/>
+    <p:sldId id="257" r:id="rId5"/>
   </p:sldIdLst>
   <p:sldSz cx="12192000" cy="6858000"/>
   <p:notesSz cx="6858000" cy="9144000"/>
@@ -275,7 +275,7 @@
           <a:p>
             <a:fld id="{BF01390D-7F14-4985-B1ED-29D6456AA19A}" type="datetimeFigureOut">
               <a:rPr lang="en-GB" smtClean="0"/>
-              <a:t>22/07/2020</a:t>
+              <a:t>14/01/2021</a:t>
             </a:fld>
             <a:endParaRPr lang="en-GB"/>
           </a:p>
@@ -476,7 +476,7 @@
           <a:p>
             <a:fld id="{BF01390D-7F14-4985-B1ED-29D6456AA19A}" type="datetimeFigureOut">
               <a:rPr lang="en-GB" smtClean="0"/>
-              <a:t>22/07/2020</a:t>
+              <a:t>14/01/2021</a:t>
             </a:fld>
             <a:endParaRPr lang="en-GB"/>
           </a:p>
@@ -687,7 +687,7 @@
           <a:p>
             <a:fld id="{BF01390D-7F14-4985-B1ED-29D6456AA19A}" type="datetimeFigureOut">
               <a:rPr lang="en-GB" smtClean="0"/>
-              <a:t>22/07/2020</a:t>
+              <a:t>14/01/2021</a:t>
             </a:fld>
             <a:endParaRPr lang="en-GB"/>
           </a:p>
@@ -888,7 +888,7 @@
           <a:p>
             <a:fld id="{BF01390D-7F14-4985-B1ED-29D6456AA19A}" type="datetimeFigureOut">
               <a:rPr lang="en-GB" smtClean="0"/>
-              <a:t>22/07/2020</a:t>
+              <a:t>14/01/2021</a:t>
             </a:fld>
             <a:endParaRPr lang="en-GB"/>
           </a:p>
@@ -1165,7 +1165,7 @@
           <a:p>
             <a:fld id="{BF01390D-7F14-4985-B1ED-29D6456AA19A}" type="datetimeFigureOut">
               <a:rPr lang="en-GB" smtClean="0"/>
-              <a:t>22/07/2020</a:t>
+              <a:t>14/01/2021</a:t>
             </a:fld>
             <a:endParaRPr lang="en-GB"/>
           </a:p>
@@ -1434,7 +1434,7 @@
           <a:p>
             <a:fld id="{BF01390D-7F14-4985-B1ED-29D6456AA19A}" type="datetimeFigureOut">
               <a:rPr lang="en-GB" smtClean="0"/>
-              <a:t>22/07/2020</a:t>
+              <a:t>14/01/2021</a:t>
             </a:fld>
             <a:endParaRPr lang="en-GB"/>
           </a:p>
@@ -1850,7 +1850,7 @@
           <a:p>
             <a:fld id="{BF01390D-7F14-4985-B1ED-29D6456AA19A}" type="datetimeFigureOut">
               <a:rPr lang="en-GB" smtClean="0"/>
-              <a:t>22/07/2020</a:t>
+              <a:t>14/01/2021</a:t>
             </a:fld>
             <a:endParaRPr lang="en-GB"/>
           </a:p>
@@ -1993,7 +1993,7 @@
           <a:p>
             <a:fld id="{BF01390D-7F14-4985-B1ED-29D6456AA19A}" type="datetimeFigureOut">
               <a:rPr lang="en-GB" smtClean="0"/>
-              <a:t>22/07/2020</a:t>
+              <a:t>14/01/2021</a:t>
             </a:fld>
             <a:endParaRPr lang="en-GB"/>
           </a:p>
@@ -2107,7 +2107,7 @@
           <a:p>
             <a:fld id="{BF01390D-7F14-4985-B1ED-29D6456AA19A}" type="datetimeFigureOut">
               <a:rPr lang="en-GB" smtClean="0"/>
-              <a:t>22/07/2020</a:t>
+              <a:t>14/01/2021</a:t>
             </a:fld>
             <a:endParaRPr lang="en-GB"/>
           </a:p>
@@ -2421,7 +2421,7 @@
           <a:p>
             <a:fld id="{BF01390D-7F14-4985-B1ED-29D6456AA19A}" type="datetimeFigureOut">
               <a:rPr lang="en-GB" smtClean="0"/>
-              <a:t>22/07/2020</a:t>
+              <a:t>14/01/2021</a:t>
             </a:fld>
             <a:endParaRPr lang="en-GB"/>
           </a:p>
@@ -2711,7 +2711,7 @@
           <a:p>
             <a:fld id="{BF01390D-7F14-4985-B1ED-29D6456AA19A}" type="datetimeFigureOut">
               <a:rPr lang="en-GB" smtClean="0"/>
-              <a:t>22/07/2020</a:t>
+              <a:t>14/01/2021</a:t>
             </a:fld>
             <a:endParaRPr lang="en-GB"/>
           </a:p>
@@ -2955,7 +2955,7 @@
           <a:p>
             <a:fld id="{BF01390D-7F14-4985-B1ED-29D6456AA19A}" type="datetimeFigureOut">
               <a:rPr lang="en-GB" smtClean="0"/>
-              <a:t>22/07/2020</a:t>
+              <a:t>14/01/2021</a:t>
             </a:fld>
             <a:endParaRPr lang="en-GB"/>
           </a:p>
@@ -3375,10 +3375,10 @@
       </p:grpSpPr>
       <p:pic>
         <p:nvPicPr>
-          <p:cNvPr id="5" name="Immagine 4" descr="Immagine che contiene gatto, interni, sedendo, animale&#10;&#10;Descrizione generata automaticamente">
-            <a:extLst>
-              <a:ext uri="{FF2B5EF4-FFF2-40B4-BE49-F238E27FC236}">
-                <a16:creationId xmlns:a16="http://schemas.microsoft.com/office/drawing/2014/main" id="{FA7D0427-BB95-422E-B3A2-73624780D008}"/>
+          <p:cNvPr id="3" name="Immagine 2" descr="Immagine che contiene cane, esterni, sedendo, mammifero&#10;&#10;Descrizione generata automaticamente">
+            <a:extLst>
+              <a:ext uri="{FF2B5EF4-FFF2-40B4-BE49-F238E27FC236}">
+                <a16:creationId xmlns:a16="http://schemas.microsoft.com/office/drawing/2014/main" id="{C11016D8-2FD5-4BD7-83C9-495FE02AA799}"/>
               </a:ext>
             </a:extLst>
           </p:cNvPr>
@@ -3411,11 +3411,11 @@
       </p:pic>
       <p:pic>
         <p:nvPicPr>
-          <p:cNvPr id="6" name="cat">
+          <p:cNvPr id="2" name="cane">
             <a:hlinkClick r:id="" action="ppaction://media"/>
             <a:extLst>
               <a:ext uri="{FF2B5EF4-FFF2-40B4-BE49-F238E27FC236}">
-                <a16:creationId xmlns:a16="http://schemas.microsoft.com/office/drawing/2014/main" id="{445F33B2-20AC-494E-A199-EAD5817D63FC}"/>
+                <a16:creationId xmlns:a16="http://schemas.microsoft.com/office/drawing/2014/main" id="{258D0BB9-9922-4C95-9D36-377DBB4C11AE}"/>
               </a:ext>
             </a:extLst>
           </p:cNvPr>
@@ -3439,8 +3439,8 @@
         </p:blipFill>
         <p:spPr>
           <a:xfrm>
-            <a:off x="10287818" y="4788309"/>
-            <a:ext cx="1557594" cy="1557594"/>
+            <a:off x="11244263" y="5861050"/>
+            <a:ext cx="609600" cy="609600"/>
           </a:xfrm>
           <a:prstGeom prst="rect">
             <a:avLst/>
@@ -3450,7 +3450,7 @@
     </p:spTree>
     <p:extLst>
       <p:ext uri="{BB962C8B-B14F-4D97-AF65-F5344CB8AC3E}">
-        <p14:creationId xmlns:p14="http://schemas.microsoft.com/office/powerpoint/2010/main" val="3947369358"/>
+        <p14:creationId xmlns:p14="http://schemas.microsoft.com/office/powerpoint/2010/main" val="4178534238"/>
       </p:ext>
     </p:extLst>
   </p:cSld>
@@ -3470,6 +3470,9 @@
                     <p:cTn id="3" fill="hold">
                       <p:stCondLst>
                         <p:cond delay="indefinite"/>
+                        <p:cond evt="onBegin" delay="0">
+                          <p:tn val="2"/>
+                        </p:cond>
                       </p:stCondLst>
                       <p:childTnLst>
                         <p:par>
@@ -3479,205 +3482,16 @@
                             </p:stCondLst>
                             <p:childTnLst>
                               <p:par>
-                                <p:cTn id="5" presetID="1" presetClass="mediacall" presetSubtype="0" fill="hold" nodeType="clickEffect">
+                                <p:cTn id="5" presetID="1" presetClass="mediacall" presetSubtype="0" fill="hold" nodeType="afterEffect">
                                   <p:stCondLst>
                                     <p:cond delay="0"/>
                                   </p:stCondLst>
                                   <p:childTnLst>
                                     <p:cmd type="call" cmd="playFrom(0.0)">
                                       <p:cBhvr>
-                                        <p:cTn id="6" dur="888" fill="hold"/>
+                                        <p:cTn id="6" dur="672" fill="hold"/>
                                         <p:tgtEl>
-                                          <p:spTgt spid="6"/>
-                                        </p:tgtEl>
-                                      </p:cBhvr>
-                                    </p:cmd>
-                                  </p:childTnLst>
-                                </p:cTn>
-                              </p:par>
-                            </p:childTnLst>
-                          </p:cTn>
-                        </p:par>
-                      </p:childTnLst>
-                    </p:cTn>
-                  </p:par>
-                </p:childTnLst>
-              </p:cTn>
-              <p:prevCondLst>
-                <p:cond evt="onPrev" delay="0">
-                  <p:tgtEl>
-                    <p:sldTgt/>
-                  </p:tgtEl>
-                </p:cond>
-              </p:prevCondLst>
-              <p:nextCondLst>
-                <p:cond evt="onNext" delay="0">
-                  <p:tgtEl>
-                    <p:sldTgt/>
-                  </p:tgtEl>
-                </p:cond>
-              </p:nextCondLst>
-            </p:seq>
-            <p:audio>
-              <p:cMediaNode vol="100000">
-                <p:cTn id="7" fill="hold" display="0">
-                  <p:stCondLst>
-                    <p:cond delay="indefinite"/>
-                  </p:stCondLst>
-                  <p:endCondLst>
-                    <p:cond evt="onStopAudio" delay="0">
-                      <p:tgtEl>
-                        <p:sldTgt/>
-                      </p:tgtEl>
-                    </p:cond>
-                  </p:endCondLst>
-                </p:cTn>
-                <p:tgtEl>
-                  <p:spTgt spid="6"/>
-                </p:tgtEl>
-              </p:cMediaNode>
-            </p:audio>
-          </p:childTnLst>
-        </p:cTn>
-      </p:par>
-    </p:tnLst>
-  </p:timing>
-</p:sld>
-</file>
-
-<file path=ppt/slides/slide2.xml><?xml version="1.0" encoding="utf-8"?>
-<p:sld xmlns:a="http://schemas.openxmlformats.org/drawingml/2006/main" xmlns:r="http://schemas.openxmlformats.org/officeDocument/2006/relationships" xmlns:p="http://schemas.openxmlformats.org/presentationml/2006/main">
-  <p:cSld>
-    <p:spTree>
-      <p:nvGrpSpPr>
-        <p:cNvPr id="1" name=""/>
-        <p:cNvGrpSpPr/>
-        <p:nvPr/>
-      </p:nvGrpSpPr>
-      <p:grpSpPr>
-        <a:xfrm>
-          <a:off x="0" y="0"/>
-          <a:ext cx="0" cy="0"/>
-          <a:chOff x="0" y="0"/>
-          <a:chExt cx="0" cy="0"/>
-        </a:xfrm>
-      </p:grpSpPr>
-      <p:pic>
-        <p:nvPicPr>
-          <p:cNvPr id="5" name="Immagine 4" descr="Immagine che contiene sedia, arredamento, sedile, dilegno&#10;&#10;Descrizione generata automaticamente">
-            <a:extLst>
-              <a:ext uri="{FF2B5EF4-FFF2-40B4-BE49-F238E27FC236}">
-                <a16:creationId xmlns:a16="http://schemas.microsoft.com/office/drawing/2014/main" id="{93E6137C-B5BF-43C1-80A1-219CC353B05E}"/>
-              </a:ext>
-            </a:extLst>
-          </p:cNvPr>
-          <p:cNvPicPr>
-            <a:picLocks noChangeAspect="1"/>
-          </p:cNvPicPr>
-          <p:nvPr/>
-        </p:nvPicPr>
-        <p:blipFill>
-          <a:blip r:embed="rId4">
-            <a:extLst>
-              <a:ext uri="{28A0092B-C50C-407E-A947-70E740481C1C}">
-                <a14:useLocalDpi xmlns:a14="http://schemas.microsoft.com/office/drawing/2010/main" val="0"/>
-              </a:ext>
-            </a:extLst>
-          </a:blip>
-          <a:stretch>
-            <a:fillRect/>
-          </a:stretch>
-        </p:blipFill>
-        <p:spPr>
-          <a:xfrm>
-            <a:off x="2667000" y="0"/>
-            <a:ext cx="6858000" cy="6858000"/>
-          </a:xfrm>
-          <a:prstGeom prst="rect">
-            <a:avLst/>
-          </a:prstGeom>
-        </p:spPr>
-      </p:pic>
-      <p:pic>
-        <p:nvPicPr>
-          <p:cNvPr id="6" name="chair">
-            <a:hlinkClick r:id="" action="ppaction://media"/>
-            <a:extLst>
-              <a:ext uri="{FF2B5EF4-FFF2-40B4-BE49-F238E27FC236}">
-                <a16:creationId xmlns:a16="http://schemas.microsoft.com/office/drawing/2014/main" id="{C4FF00D7-B428-40A2-824F-C5E095E4A507}"/>
-              </a:ext>
-            </a:extLst>
-          </p:cNvPr>
-          <p:cNvPicPr>
-            <a:picLocks noChangeAspect="1"/>
-          </p:cNvPicPr>
-          <p:nvPr>
-            <a:audioFile r:link="rId2"/>
-            <p:extLst>
-              <p:ext uri="{DAA4B4D4-6D71-4841-9C94-3DE7FCFB9230}">
-                <p14:media xmlns:p14="http://schemas.microsoft.com/office/powerpoint/2010/main" r:embed="rId1"/>
-              </p:ext>
-            </p:extLst>
-          </p:nvPr>
-        </p:nvPicPr>
-        <p:blipFill>
-          <a:blip r:embed="rId5"/>
-          <a:stretch>
-            <a:fillRect/>
-          </a:stretch>
-        </p:blipFill>
-        <p:spPr>
-          <a:xfrm>
-            <a:off x="1754188" y="5981700"/>
-            <a:ext cx="406400" cy="406400"/>
-          </a:xfrm>
-          <a:prstGeom prst="rect">
-            <a:avLst/>
-          </a:prstGeom>
-        </p:spPr>
-      </p:pic>
-    </p:spTree>
-    <p:extLst>
-      <p:ext uri="{BB962C8B-B14F-4D97-AF65-F5344CB8AC3E}">
-        <p14:creationId xmlns:p14="http://schemas.microsoft.com/office/powerpoint/2010/main" val="1423749663"/>
-      </p:ext>
-    </p:extLst>
-  </p:cSld>
-  <p:clrMapOvr>
-    <a:masterClrMapping/>
-  </p:clrMapOvr>
-  <p:transition spd="slow" advClick="0" advTm="20000"/>
-  <p:timing>
-    <p:tnLst>
-      <p:par>
-        <p:cTn id="1" dur="indefinite" restart="never" nodeType="tmRoot">
-          <p:childTnLst>
-            <p:seq concurrent="1" nextAc="seek">
-              <p:cTn id="2" dur="indefinite" nodeType="mainSeq">
-                <p:childTnLst>
-                  <p:par>
-                    <p:cTn id="3" fill="hold">
-                      <p:stCondLst>
-                        <p:cond delay="indefinite"/>
-                      </p:stCondLst>
-                      <p:childTnLst>
-                        <p:par>
-                          <p:cTn id="4" fill="hold">
-                            <p:stCondLst>
-                              <p:cond delay="0"/>
-                            </p:stCondLst>
-                            <p:childTnLst>
-                              <p:par>
-                                <p:cTn id="5" presetID="1" presetClass="mediacall" presetSubtype="0" fill="hold" nodeType="clickEffect">
-                                  <p:stCondLst>
-                                    <p:cond delay="0"/>
-                                  </p:stCondLst>
-                                  <p:childTnLst>
-                                    <p:cmd type="call" cmd="playFrom(0.0)">
-                                      <p:cBhvr>
-                                        <p:cTn id="6" dur="768" fill="hold"/>
-                                        <p:tgtEl>
-                                          <p:spTgt spid="6"/>
+                                          <p:spTgt spid="2"/>
                                         </p:tgtEl>
                                       </p:cBhvr>
                                     </p:cmd>
@@ -3722,7 +3536,7 @@
                   </p:endCondLst>
                 </p:cTn>
                 <p:tgtEl>
-                  <p:spTgt spid="6"/>
+                  <p:spTgt spid="2"/>
                 </p:tgtEl>
               </p:cMediaNode>
             </p:audio>
@@ -3734,7 +3548,7 @@
 </p:sld>
 </file>
 
-<file path=ppt/slides/slide3.xml><?xml version="1.0" encoding="utf-8"?>
+<file path=ppt/slides/slide2.xml><?xml version="1.0" encoding="utf-8"?>
 <p:sld xmlns:a="http://schemas.openxmlformats.org/drawingml/2006/main" xmlns:r="http://schemas.openxmlformats.org/officeDocument/2006/relationships" xmlns:p="http://schemas.openxmlformats.org/presentationml/2006/main">
   <p:cSld>
     <p:spTree>
@@ -3753,10 +3567,10 @@
       </p:grpSpPr>
       <p:pic>
         <p:nvPicPr>
-          <p:cNvPr id="3" name="Immagine 2" descr="Immagine che contiene cane, esterni, sedendo, mammifero&#10;&#10;Descrizione generata automaticamente">
-            <a:extLst>
-              <a:ext uri="{FF2B5EF4-FFF2-40B4-BE49-F238E27FC236}">
-                <a16:creationId xmlns:a16="http://schemas.microsoft.com/office/drawing/2014/main" id="{C11016D8-2FD5-4BD7-83C9-495FE02AA799}"/>
+          <p:cNvPr id="5" name="Immagine 4" descr="Immagine che contiene gatto, interni, sedendo, animale&#10;&#10;Descrizione generata automaticamente">
+            <a:extLst>
+              <a:ext uri="{FF2B5EF4-FFF2-40B4-BE49-F238E27FC236}">
+                <a16:creationId xmlns:a16="http://schemas.microsoft.com/office/drawing/2014/main" id="{FA7D0427-BB95-422E-B3A2-73624780D008}"/>
               </a:ext>
             </a:extLst>
           </p:cNvPr>
@@ -3789,11 +3603,11 @@
       </p:pic>
       <p:pic>
         <p:nvPicPr>
-          <p:cNvPr id="4" name="dog">
+          <p:cNvPr id="2" name="gatto">
             <a:hlinkClick r:id="" action="ppaction://media"/>
             <a:extLst>
               <a:ext uri="{FF2B5EF4-FFF2-40B4-BE49-F238E27FC236}">
-                <a16:creationId xmlns:a16="http://schemas.microsoft.com/office/drawing/2014/main" id="{C66FD586-ADF6-4CE1-B479-3E0174049E86}"/>
+                <a16:creationId xmlns:a16="http://schemas.microsoft.com/office/drawing/2014/main" id="{1B6FA168-B5E4-477E-B816-368027C605E5}"/>
               </a:ext>
             </a:extLst>
           </p:cNvPr>
@@ -3817,8 +3631,8 @@
         </p:blipFill>
         <p:spPr>
           <a:xfrm>
-            <a:off x="1989138" y="4732338"/>
-            <a:ext cx="406400" cy="406400"/>
+            <a:off x="10714038" y="5322888"/>
+            <a:ext cx="609600" cy="609600"/>
           </a:xfrm>
           <a:prstGeom prst="rect">
             <a:avLst/>
@@ -3828,7 +3642,7 @@
     </p:spTree>
     <p:extLst>
       <p:ext uri="{BB962C8B-B14F-4D97-AF65-F5344CB8AC3E}">
-        <p14:creationId xmlns:p14="http://schemas.microsoft.com/office/powerpoint/2010/main" val="4178534238"/>
+        <p14:creationId xmlns:p14="http://schemas.microsoft.com/office/powerpoint/2010/main" val="3947369358"/>
       </p:ext>
     </p:extLst>
   </p:cSld>
@@ -3848,6 +3662,9 @@
                     <p:cTn id="3" fill="hold">
                       <p:stCondLst>
                         <p:cond delay="indefinite"/>
+                        <p:cond evt="onBegin" delay="0">
+                          <p:tn val="2"/>
+                        </p:cond>
                       </p:stCondLst>
                       <p:childTnLst>
                         <p:par>
@@ -3857,16 +3674,16 @@
                             </p:stCondLst>
                             <p:childTnLst>
                               <p:par>
-                                <p:cTn id="5" presetID="1" presetClass="mediacall" presetSubtype="0" fill="hold" nodeType="clickEffect">
+                                <p:cTn id="5" presetID="1" presetClass="mediacall" presetSubtype="0" fill="hold" nodeType="afterEffect">
                                   <p:stCondLst>
                                     <p:cond delay="0"/>
                                   </p:stCondLst>
                                   <p:childTnLst>
                                     <p:cmd type="call" cmd="playFrom(0.0)">
                                       <p:cBhvr>
-                                        <p:cTn id="6" dur="696" fill="hold"/>
+                                        <p:cTn id="6" dur="768" fill="hold"/>
                                         <p:tgtEl>
-                                          <p:spTgt spid="4"/>
+                                          <p:spTgt spid="2"/>
                                         </p:tgtEl>
                                       </p:cBhvr>
                                     </p:cmd>
@@ -3911,7 +3728,7 @@
                   </p:endCondLst>
                 </p:cTn>
                 <p:tgtEl>
-                  <p:spTgt spid="4"/>
+                  <p:spTgt spid="2"/>
                 </p:tgtEl>
               </p:cMediaNode>
             </p:audio>
@@ -3923,7 +3740,7 @@
 </p:sld>
 </file>
 
-<file path=ppt/slides/slide4.xml><?xml version="1.0" encoding="utf-8"?>
+<file path=ppt/slides/slide3.xml><?xml version="1.0" encoding="utf-8"?>
 <p:sld xmlns:a="http://schemas.openxmlformats.org/drawingml/2006/main" xmlns:r="http://schemas.openxmlformats.org/officeDocument/2006/relationships" xmlns:p="http://schemas.openxmlformats.org/presentationml/2006/main">
   <p:cSld>
     <p:spTree>
@@ -3978,11 +3795,11 @@
       </p:pic>
       <p:pic>
         <p:nvPicPr>
-          <p:cNvPr id="4" name="hammer">
+          <p:cNvPr id="2" name="martello">
             <a:hlinkClick r:id="" action="ppaction://media"/>
             <a:extLst>
               <a:ext uri="{FF2B5EF4-FFF2-40B4-BE49-F238E27FC236}">
-                <a16:creationId xmlns:a16="http://schemas.microsoft.com/office/drawing/2014/main" id="{0CE663B0-1F95-41B6-A6F1-D71C75DA9EBF}"/>
+                <a16:creationId xmlns:a16="http://schemas.microsoft.com/office/drawing/2014/main" id="{D896D4D7-030B-4BB6-86DF-13DA4639B233}"/>
               </a:ext>
             </a:extLst>
           </p:cNvPr>
@@ -4006,8 +3823,8 @@
         </p:blipFill>
         <p:spPr>
           <a:xfrm>
-            <a:off x="1812925" y="3238500"/>
-            <a:ext cx="406400" cy="406400"/>
+            <a:off x="10483850" y="6022975"/>
+            <a:ext cx="609600" cy="609600"/>
           </a:xfrm>
           <a:prstGeom prst="rect">
             <a:avLst/>
@@ -4037,6 +3854,9 @@
                     <p:cTn id="3" fill="hold">
                       <p:stCondLst>
                         <p:cond delay="indefinite"/>
+                        <p:cond evt="onBegin" delay="0">
+                          <p:tn val="2"/>
+                        </p:cond>
                       </p:stCondLst>
                       <p:childTnLst>
                         <p:par>
@@ -4046,16 +3866,16 @@
                             </p:stCondLst>
                             <p:childTnLst>
                               <p:par>
-                                <p:cTn id="5" presetID="1" presetClass="mediacall" presetSubtype="0" fill="hold" nodeType="clickEffect">
+                                <p:cTn id="5" presetID="1" presetClass="mediacall" presetSubtype="0" fill="hold" nodeType="afterEffect">
                                   <p:stCondLst>
                                     <p:cond delay="0"/>
                                   </p:stCondLst>
                                   <p:childTnLst>
                                     <p:cmd type="call" cmd="playFrom(0.0)">
                                       <p:cBhvr>
-                                        <p:cTn id="6" dur="720" fill="hold"/>
+                                        <p:cTn id="6" dur="1008" fill="hold"/>
                                         <p:tgtEl>
-                                          <p:spTgt spid="4"/>
+                                          <p:spTgt spid="2"/>
                                         </p:tgtEl>
                                       </p:cBhvr>
                                     </p:cmd>
@@ -4100,7 +3920,199 @@
                   </p:endCondLst>
                 </p:cTn>
                 <p:tgtEl>
-                  <p:spTgt spid="4"/>
+                  <p:spTgt spid="2"/>
+                </p:tgtEl>
+              </p:cMediaNode>
+            </p:audio>
+          </p:childTnLst>
+        </p:cTn>
+      </p:par>
+    </p:tnLst>
+  </p:timing>
+</p:sld>
+</file>
+
+<file path=ppt/slides/slide4.xml><?xml version="1.0" encoding="utf-8"?>
+<p:sld xmlns:a="http://schemas.openxmlformats.org/drawingml/2006/main" xmlns:r="http://schemas.openxmlformats.org/officeDocument/2006/relationships" xmlns:p="http://schemas.openxmlformats.org/presentationml/2006/main">
+  <p:cSld>
+    <p:spTree>
+      <p:nvGrpSpPr>
+        <p:cNvPr id="1" name=""/>
+        <p:cNvGrpSpPr/>
+        <p:nvPr/>
+      </p:nvGrpSpPr>
+      <p:grpSpPr>
+        <a:xfrm>
+          <a:off x="0" y="0"/>
+          <a:ext cx="0" cy="0"/>
+          <a:chOff x="0" y="0"/>
+          <a:chExt cx="0" cy="0"/>
+        </a:xfrm>
+      </p:grpSpPr>
+      <p:pic>
+        <p:nvPicPr>
+          <p:cNvPr id="5" name="Immagine 4" descr="Immagine che contiene sedia, arredamento, sedile, dilegno&#10;&#10;Descrizione generata automaticamente">
+            <a:extLst>
+              <a:ext uri="{FF2B5EF4-FFF2-40B4-BE49-F238E27FC236}">
+                <a16:creationId xmlns:a16="http://schemas.microsoft.com/office/drawing/2014/main" id="{93E6137C-B5BF-43C1-80A1-219CC353B05E}"/>
+              </a:ext>
+            </a:extLst>
+          </p:cNvPr>
+          <p:cNvPicPr>
+            <a:picLocks noChangeAspect="1"/>
+          </p:cNvPicPr>
+          <p:nvPr/>
+        </p:nvPicPr>
+        <p:blipFill>
+          <a:blip r:embed="rId4">
+            <a:extLst>
+              <a:ext uri="{28A0092B-C50C-407E-A947-70E740481C1C}">
+                <a14:useLocalDpi xmlns:a14="http://schemas.microsoft.com/office/drawing/2010/main" val="0"/>
+              </a:ext>
+            </a:extLst>
+          </a:blip>
+          <a:stretch>
+            <a:fillRect/>
+          </a:stretch>
+        </p:blipFill>
+        <p:spPr>
+          <a:xfrm>
+            <a:off x="2667000" y="0"/>
+            <a:ext cx="6858000" cy="6858000"/>
+          </a:xfrm>
+          <a:prstGeom prst="rect">
+            <a:avLst/>
+          </a:prstGeom>
+        </p:spPr>
+      </p:pic>
+      <p:pic>
+        <p:nvPicPr>
+          <p:cNvPr id="2" name="sedia">
+            <a:hlinkClick r:id="" action="ppaction://media"/>
+            <a:extLst>
+              <a:ext uri="{FF2B5EF4-FFF2-40B4-BE49-F238E27FC236}">
+                <a16:creationId xmlns:a16="http://schemas.microsoft.com/office/drawing/2014/main" id="{67C8FD23-F217-4512-80E6-544B9164941A}"/>
+              </a:ext>
+            </a:extLst>
+          </p:cNvPr>
+          <p:cNvPicPr>
+            <a:picLocks noChangeAspect="1"/>
+          </p:cNvPicPr>
+          <p:nvPr>
+            <a:audioFile r:link="rId2"/>
+            <p:extLst>
+              <p:ext uri="{DAA4B4D4-6D71-4841-9C94-3DE7FCFB9230}">
+                <p14:media xmlns:p14="http://schemas.microsoft.com/office/powerpoint/2010/main" r:embed="rId1"/>
+              </p:ext>
+            </p:extLst>
+          </p:nvPr>
+        </p:nvPicPr>
+        <p:blipFill>
+          <a:blip r:embed="rId5"/>
+          <a:stretch>
+            <a:fillRect/>
+          </a:stretch>
+        </p:blipFill>
+        <p:spPr>
+          <a:xfrm>
+            <a:off x="10979150" y="6091238"/>
+            <a:ext cx="609600" cy="609600"/>
+          </a:xfrm>
+          <a:prstGeom prst="rect">
+            <a:avLst/>
+          </a:prstGeom>
+        </p:spPr>
+      </p:pic>
+    </p:spTree>
+    <p:extLst>
+      <p:ext uri="{BB962C8B-B14F-4D97-AF65-F5344CB8AC3E}">
+        <p14:creationId xmlns:p14="http://schemas.microsoft.com/office/powerpoint/2010/main" val="1423749663"/>
+      </p:ext>
+    </p:extLst>
+  </p:cSld>
+  <p:clrMapOvr>
+    <a:masterClrMapping/>
+  </p:clrMapOvr>
+  <p:transition spd="slow" advClick="0" advTm="20000"/>
+  <p:timing>
+    <p:tnLst>
+      <p:par>
+        <p:cTn id="1" dur="indefinite" restart="never" nodeType="tmRoot">
+          <p:childTnLst>
+            <p:seq concurrent="1" nextAc="seek">
+              <p:cTn id="2" dur="indefinite" nodeType="mainSeq">
+                <p:childTnLst>
+                  <p:par>
+                    <p:cTn id="3" fill="hold">
+                      <p:stCondLst>
+                        <p:cond delay="indefinite"/>
+                        <p:cond evt="onBegin" delay="0">
+                          <p:tn val="2"/>
+                        </p:cond>
+                      </p:stCondLst>
+                      <p:childTnLst>
+                        <p:par>
+                          <p:cTn id="4" fill="hold">
+                            <p:stCondLst>
+                              <p:cond delay="0"/>
+                            </p:stCondLst>
+                            <p:childTnLst>
+                              <p:par>
+                                <p:cTn id="5" presetID="1" presetClass="mediacall" presetSubtype="0" fill="hold" nodeType="afterEffect">
+                                  <p:stCondLst>
+                                    <p:cond delay="0"/>
+                                  </p:stCondLst>
+                                  <p:childTnLst>
+                                    <p:cmd type="call" cmd="playFrom(0.0)">
+                                      <p:cBhvr>
+                                        <p:cTn id="6" dur="768" fill="hold"/>
+                                        <p:tgtEl>
+                                          <p:spTgt spid="2"/>
+                                        </p:tgtEl>
+                                      </p:cBhvr>
+                                    </p:cmd>
+                                  </p:childTnLst>
+                                </p:cTn>
+                              </p:par>
+                            </p:childTnLst>
+                          </p:cTn>
+                        </p:par>
+                      </p:childTnLst>
+                    </p:cTn>
+                  </p:par>
+                </p:childTnLst>
+              </p:cTn>
+              <p:prevCondLst>
+                <p:cond evt="onPrev" delay="0">
+                  <p:tgtEl>
+                    <p:sldTgt/>
+                  </p:tgtEl>
+                </p:cond>
+              </p:prevCondLst>
+              <p:nextCondLst>
+                <p:cond evt="onNext" delay="0">
+                  <p:tgtEl>
+                    <p:sldTgt/>
+                  </p:tgtEl>
+                </p:cond>
+              </p:nextCondLst>
+            </p:seq>
+            <p:audio>
+              <p:cMediaNode vol="80000">
+                <p:cTn id="7" fill="hold" display="0">
+                  <p:stCondLst>
+                    <p:cond delay="indefinite"/>
+                  </p:stCondLst>
+                  <p:endCondLst>
+                    <p:cond evt="onStopAudio" delay="0">
+                      <p:tgtEl>
+                        <p:sldTgt/>
+                      </p:tgtEl>
+                    </p:cond>
+                  </p:endCondLst>
+                </p:cTn>
+                <p:tgtEl>
+                  <p:spTgt spid="2"/>
                 </p:tgtEl>
               </p:cMediaNode>
             </p:audio>
